--- a/Präsentation.pptx
+++ b/Präsentation.pptx
@@ -211,7 +211,7 @@
           <a:p>
             <a:fld id="{1E980FD4-14D3-F94F-9C10-C1E237CA830E}" type="datetimeFigureOut">
               <a:rPr lang="de-DE" smtClean="0"/>
-              <a:t>22.05.16</a:t>
+              <a:t>23.05.2016</a:t>
             </a:fld>
             <a:endParaRPr lang="de-DE"/>
           </a:p>
@@ -609,15 +609,70 @@
           <a:p>
             <a:r>
               <a:rPr lang="de-DE" dirty="0" smtClean="0"/>
-              <a:t>Messen vom Winkel </a:t>
-            </a:r>
-            <a:r>
-              <a:rPr lang="de-DE" dirty="0" smtClean="0"/>
-              <a:t>im </a:t>
-            </a:r>
-            <a:r>
-              <a:rPr lang="de-DE" dirty="0" smtClean="0"/>
-              <a:t>Dreieck</a:t>
+              <a:t>Messen vom Winkel im Dreieck</a:t>
+            </a:r>
+          </a:p>
+          <a:p>
+            <a:endParaRPr lang="de-DE" dirty="0" smtClean="0"/>
+          </a:p>
+          <a:p>
+            <a:r>
+              <a:rPr lang="de-CH" dirty="0" smtClean="0"/>
+              <a:t>Drei Krümmungstypen des Kosmos</a:t>
+            </a:r>
+          </a:p>
+          <a:p>
+            <a:r>
+              <a:rPr lang="de-CH" b="1" dirty="0" smtClean="0"/>
+              <a:t>elliptisches oder sphärisches Universum</a:t>
+            </a:r>
+            <a:r>
+              <a:rPr lang="de-CH" dirty="0" smtClean="0"/>
+              <a:t>: Krümmung </a:t>
+            </a:r>
+            <a:r>
+              <a:rPr lang="de-CH" i="1" dirty="0" smtClean="0"/>
+              <a:t>k</a:t>
+            </a:r>
+            <a:r>
+              <a:rPr lang="de-CH" dirty="0" smtClean="0"/>
+              <a:t> = +1. </a:t>
+            </a:r>
+          </a:p>
+          <a:p>
+            <a:r>
+              <a:rPr lang="de-CH" b="1" dirty="0" smtClean="0"/>
+              <a:t>Euklidisches Universum</a:t>
+            </a:r>
+            <a:r>
+              <a:rPr lang="de-CH" dirty="0" smtClean="0"/>
+              <a:t>: Krümmung </a:t>
+            </a:r>
+            <a:r>
+              <a:rPr lang="de-CH" i="1" dirty="0" smtClean="0"/>
+              <a:t>k</a:t>
+            </a:r>
+            <a:r>
+              <a:rPr lang="de-CH" dirty="0" smtClean="0"/>
+              <a:t> = 0. </a:t>
+            </a:r>
+          </a:p>
+          <a:p>
+            <a:r>
+              <a:rPr lang="de-CH" b="1" dirty="0" smtClean="0"/>
+              <a:t>hyperbolisches Universum</a:t>
+            </a:r>
+            <a:r>
+              <a:rPr lang="de-CH" dirty="0" smtClean="0"/>
+              <a:t>: Krümmung </a:t>
+            </a:r>
+            <a:r>
+              <a:rPr lang="de-CH" i="1" dirty="0" smtClean="0"/>
+              <a:t>k</a:t>
+            </a:r>
+            <a:r>
+              <a:rPr lang="de-CH" dirty="0" smtClean="0"/>
+              <a:t> = -1.</a:t>
             </a:r>
             <a:endParaRPr lang="de-DE" dirty="0"/>
           </a:p>
@@ -711,6 +766,56 @@
               <a:rPr lang="de-DE" baseline="0" dirty="0" smtClean="0"/>
               <a:t> Kosmologische Konstante für statisches Universum</a:t>
             </a:r>
+          </a:p>
+          <a:p>
+            <a:endParaRPr lang="de-DE" baseline="0" dirty="0" smtClean="0"/>
+          </a:p>
+          <a:p>
+            <a:r>
+              <a:rPr lang="de-CH" dirty="0" smtClean="0"/>
+              <a:t>Die Dunkle Energie weist einen </a:t>
+            </a:r>
+            <a:r>
+              <a:rPr lang="de-CH" b="1" dirty="0" smtClean="0"/>
+              <a:t>negativen Druck </a:t>
+            </a:r>
+            <a:r>
+              <a:rPr lang="de-CH" dirty="0" smtClean="0"/>
+              <a:t>auf und wirkt somit </a:t>
+            </a:r>
+            <a:r>
+              <a:rPr lang="de-CH" b="1" dirty="0" err="1" smtClean="0"/>
+              <a:t>antigravitativ</a:t>
+            </a:r>
+            <a:r>
+              <a:rPr lang="de-CH" dirty="0" smtClean="0"/>
+              <a:t>. Dieser Effekt wird besonders ausgeprägt zu </a:t>
+            </a:r>
+            <a:r>
+              <a:rPr lang="de-CH" b="1" dirty="0" smtClean="0"/>
+              <a:t>späten Entwicklungsphasen </a:t>
+            </a:r>
+            <a:r>
+              <a:rPr lang="de-CH" dirty="0" smtClean="0"/>
+              <a:t>dieses dynamischen Modelluniversums</a:t>
+            </a:r>
+            <a:r>
+              <a:rPr lang="de-CH" dirty="0" smtClean="0"/>
+              <a:t>.</a:t>
+            </a:r>
+          </a:p>
+          <a:p>
+            <a:endParaRPr lang="de-DE" dirty="0" smtClean="0"/>
+          </a:p>
+          <a:p>
+            <a:r>
+              <a:rPr lang="de-DE" dirty="0" smtClean="0"/>
+              <a:t>Wenn sich der Raum ausdehnt, bleibt die Energiedicht</a:t>
+            </a:r>
+            <a:r>
+              <a:rPr lang="de-DE" baseline="0" dirty="0" smtClean="0"/>
+              <a:t>e konstant.</a:t>
+            </a:r>
             <a:endParaRPr lang="de-DE" dirty="0"/>
           </a:p>
         </p:txBody>
@@ -825,6 +930,39 @@
               <a:rPr lang="de-DE" baseline="0" dirty="0" smtClean="0"/>
               <a:t> weil Universum dann sphärisch?</a:t>
             </a:r>
+          </a:p>
+          <a:p>
+            <a:endParaRPr lang="de-DE" baseline="0" dirty="0" smtClean="0"/>
+          </a:p>
+          <a:p>
+            <a:r>
+              <a:rPr lang="de-CH" dirty="0" smtClean="0"/>
+              <a:t>Die Aufgabe der Astronomen ist es nun Beobachtungen durchzuführen, um Datenpunkte in dieses Diagramm eintragen zu können. Versammeln sich die Datenpunkte eindeutig auf einer der Kurven, so steht das Friedmann-Modell für unser Universum fest. Das Sammeln von Datenpunkten übernehmen beispielsweise </a:t>
+            </a:r>
+            <a:r>
+              <a:rPr lang="de-CH" b="1" dirty="0" err="1" smtClean="0"/>
+              <a:t>Supernovaforscher</a:t>
+            </a:r>
+            <a:r>
+              <a:rPr lang="de-CH" dirty="0" smtClean="0"/>
+              <a:t>, die weit entfernte Supernovae vom Typ </a:t>
+            </a:r>
+            <a:r>
+              <a:rPr lang="de-CH" dirty="0" err="1" smtClean="0"/>
+              <a:t>Ia</a:t>
+            </a:r>
+            <a:r>
+              <a:rPr lang="de-CH" dirty="0" smtClean="0"/>
+              <a:t> analysieren. Fatalerweise schmiegen sich alle Kurven im Bereich von </a:t>
+            </a:r>
+            <a:r>
+              <a:rPr lang="de-CH" dirty="0" err="1" smtClean="0"/>
+              <a:t>Now</a:t>
+            </a:r>
+            <a:r>
+              <a:rPr lang="de-CH" dirty="0" smtClean="0"/>
+              <a:t> sehr eng aneinander. Die Astronomen müssen demnach tief in die Vergangenheit des Kosmos schauen (dort, wo die Kurven voneinander abweichen), um klar bestimmen zu können, welcher Kurve unser Universum folgt</a:t>
+            </a:r>
             <a:endParaRPr lang="de-DE" dirty="0"/>
           </a:p>
         </p:txBody>
@@ -1411,7 +1549,20 @@
             </a:r>
             <a:r>
               <a:rPr lang="de-CH" baseline="0" dirty="0" smtClean="0"/>
-              <a:t>^16 m, t_0 steht für Weltalter</a:t>
+              <a:t>^16 m, t_0 steht für </a:t>
+            </a:r>
+            <a:r>
+              <a:rPr lang="de-CH" baseline="0" dirty="0" smtClean="0"/>
+              <a:t>Weltalter</a:t>
+            </a:r>
+          </a:p>
+          <a:p>
+            <a:endParaRPr lang="de-DE" baseline="0" dirty="0" smtClean="0"/>
+          </a:p>
+          <a:p>
+            <a:r>
+              <a:rPr lang="de-CH" dirty="0" smtClean="0"/>
+              <a:t> Es ist die Entfernung, aus der der mittlere Erdbahnradius (= 1 AU, Astronomische Einheit) unter einem Winkel von einer Bogensekunde erscheint[1] und entspricht etwa 3,26 Lichtjahren bzw. 206.000 Astronomischen Einheiten oder 3,09·1016 m.</a:t>
             </a:r>
             <a:endParaRPr lang="de-DE" dirty="0"/>
           </a:p>
@@ -2016,7 +2167,6 @@
               <a:rPr lang="de-DE" baseline="0" dirty="0" smtClean="0"/>
               <a:t>. </a:t>
             </a:r>
-            <a:endParaRPr lang="de-DE" baseline="0" dirty="0" smtClean="0"/>
           </a:p>
           <a:p>
             <a:r>
@@ -2243,7 +2393,7 @@
             <a:fld id="{E2DDEEBF-0AF2-BE4F-8DB2-99C5A0C36619}" type="datetimeFigureOut">
               <a:rPr lang="de-DE" smtClean="0"/>
               <a:pPr/>
-              <a:t>22.05.16</a:t>
+              <a:t>23.05.2016</a:t>
             </a:fld>
             <a:endParaRPr lang="de-DE"/>
           </a:p>
@@ -2434,7 +2584,7 @@
           <a:p>
             <a:fld id="{E2DDEEBF-0AF2-BE4F-8DB2-99C5A0C36619}" type="datetimeFigureOut">
               <a:rPr lang="de-DE" smtClean="0"/>
-              <a:t>22.05.16</a:t>
+              <a:t>23.05.2016</a:t>
             </a:fld>
             <a:endParaRPr lang="de-DE"/>
           </a:p>
@@ -2614,7 +2764,7 @@
           <a:p>
             <a:fld id="{E2DDEEBF-0AF2-BE4F-8DB2-99C5A0C36619}" type="datetimeFigureOut">
               <a:rPr lang="de-DE" smtClean="0"/>
-              <a:t>22.05.16</a:t>
+              <a:t>23.05.2016</a:t>
             </a:fld>
             <a:endParaRPr lang="de-DE"/>
           </a:p>
@@ -2784,7 +2934,7 @@
           <a:p>
             <a:fld id="{E2DDEEBF-0AF2-BE4F-8DB2-99C5A0C36619}" type="datetimeFigureOut">
               <a:rPr lang="de-DE" smtClean="0"/>
-              <a:t>22.05.16</a:t>
+              <a:t>23.05.2016</a:t>
             </a:fld>
             <a:endParaRPr lang="de-DE"/>
           </a:p>
@@ -3030,7 +3180,7 @@
           <a:p>
             <a:fld id="{E2DDEEBF-0AF2-BE4F-8DB2-99C5A0C36619}" type="datetimeFigureOut">
               <a:rPr lang="de-DE" smtClean="0"/>
-              <a:t>22.05.16</a:t>
+              <a:t>23.05.2016</a:t>
             </a:fld>
             <a:endParaRPr lang="de-DE"/>
           </a:p>
@@ -3262,7 +3412,7 @@
           <a:p>
             <a:fld id="{E2DDEEBF-0AF2-BE4F-8DB2-99C5A0C36619}" type="datetimeFigureOut">
               <a:rPr lang="de-DE" smtClean="0"/>
-              <a:t>22.05.16</a:t>
+              <a:t>23.05.2016</a:t>
             </a:fld>
             <a:endParaRPr lang="de-DE"/>
           </a:p>
@@ -3629,7 +3779,7 @@
           <a:p>
             <a:fld id="{E2DDEEBF-0AF2-BE4F-8DB2-99C5A0C36619}" type="datetimeFigureOut">
               <a:rPr lang="de-DE" smtClean="0"/>
-              <a:t>22.05.16</a:t>
+              <a:t>23.05.2016</a:t>
             </a:fld>
             <a:endParaRPr lang="de-DE"/>
           </a:p>
@@ -3747,7 +3897,7 @@
           <a:p>
             <a:fld id="{E2DDEEBF-0AF2-BE4F-8DB2-99C5A0C36619}" type="datetimeFigureOut">
               <a:rPr lang="de-DE" smtClean="0"/>
-              <a:t>22.05.16</a:t>
+              <a:t>23.05.2016</a:t>
             </a:fld>
             <a:endParaRPr lang="de-DE"/>
           </a:p>
@@ -3842,7 +3992,7 @@
           <a:p>
             <a:fld id="{E2DDEEBF-0AF2-BE4F-8DB2-99C5A0C36619}" type="datetimeFigureOut">
               <a:rPr lang="de-DE" smtClean="0"/>
-              <a:t>22.05.16</a:t>
+              <a:t>23.05.2016</a:t>
             </a:fld>
             <a:endParaRPr lang="de-DE"/>
           </a:p>
@@ -4119,7 +4269,7 @@
           <a:p>
             <a:fld id="{E2DDEEBF-0AF2-BE4F-8DB2-99C5A0C36619}" type="datetimeFigureOut">
               <a:rPr lang="de-DE" smtClean="0"/>
-              <a:t>22.05.16</a:t>
+              <a:t>23.05.2016</a:t>
             </a:fld>
             <a:endParaRPr lang="de-DE"/>
           </a:p>
@@ -4372,7 +4522,7 @@
           <a:p>
             <a:fld id="{E2DDEEBF-0AF2-BE4F-8DB2-99C5A0C36619}" type="datetimeFigureOut">
               <a:rPr lang="de-DE" smtClean="0"/>
-              <a:t>22.05.16</a:t>
+              <a:t>23.05.2016</a:t>
             </a:fld>
             <a:endParaRPr lang="de-DE"/>
           </a:p>
@@ -4589,7 +4739,7 @@
             <a:fld id="{E2DDEEBF-0AF2-BE4F-8DB2-99C5A0C36619}" type="datetimeFigureOut">
               <a:rPr lang="de-DE" smtClean="0"/>
               <a:pPr/>
-              <a:t>22.05.16</a:t>
+              <a:t>23.05.2016</a:t>
             </a:fld>
             <a:endParaRPr lang="de-DE"/>
           </a:p>
@@ -5251,7 +5401,6 @@
               <a:rPr lang="de-DE" dirty="0"/>
               <a:t>Kappa 𝜅</a:t>
             </a:r>
-            <a:endParaRPr lang="de-DE" dirty="0"/>
           </a:p>
         </p:txBody>
       </p:sp>
@@ -5270,8 +5419,11 @@
           <a:bodyPr/>
           <a:lstStyle/>
           <a:p>
-            <a:r>
-              <a:rPr lang="de-DE" dirty="0" smtClean="0"/>
+            <a:pPr marL="0" indent="0">
+              <a:buNone/>
+            </a:pPr>
+            <a:r>
+              <a:rPr lang="de-DE" u="sng" dirty="0" smtClean="0"/>
               <a:t>Geometrie des Raumes </a:t>
             </a:r>
           </a:p>
@@ -5281,8 +5433,24 @@
               <a:t>𝜅 </a:t>
             </a:r>
             <a:r>
+              <a:rPr lang="de-DE" dirty="0"/>
+              <a:t>=</a:t>
+            </a:r>
+            <a:r>
               <a:rPr lang="de-DE" dirty="0" smtClean="0"/>
-              <a:t>&gt; 0 : sphärisch</a:t>
+              <a:t> </a:t>
+            </a:r>
+            <a:r>
+              <a:rPr lang="de-DE" dirty="0" smtClean="0"/>
+              <a:t>+1</a:t>
+            </a:r>
+            <a:r>
+              <a:rPr lang="de-DE" dirty="0" smtClean="0"/>
+              <a:t> </a:t>
+            </a:r>
+            <a:r>
+              <a:rPr lang="de-DE" dirty="0" smtClean="0"/>
+              <a:t>: sphärisch</a:t>
             </a:r>
           </a:p>
           <a:p>
@@ -5302,20 +5470,7 @@
             </a:r>
             <a:r>
               <a:rPr lang="de-DE" dirty="0" smtClean="0"/>
-              <a:t>&lt; 0 : hyperbolisch</a:t>
-            </a:r>
-          </a:p>
-          <a:p>
-            <a:endParaRPr lang="de-DE" dirty="0"/>
-          </a:p>
-          <a:p>
-            <a:r>
-              <a:rPr lang="de-DE" dirty="0" smtClean="0"/>
-              <a:t>Heutiges Wissen : </a:t>
-            </a:r>
-            <a:r>
-              <a:rPr lang="de-DE" dirty="0" smtClean="0"/>
-              <a:t>𝜅</a:t>
+              <a:t>= -1</a:t>
             </a:r>
             <a:r>
               <a:rPr lang="de-DE" dirty="0" smtClean="0"/>
@@ -5323,12 +5478,44 @@
             </a:r>
             <a:r>
               <a:rPr lang="de-DE" dirty="0" smtClean="0"/>
-              <a:t>= 0</a:t>
-            </a:r>
+              <a:t>: hyperbolisch</a:t>
+            </a:r>
+          </a:p>
+          <a:p>
             <a:endParaRPr lang="de-DE" dirty="0"/>
           </a:p>
-        </p:txBody>
-      </p:sp>
+          <a:p>
+            <a:r>
+              <a:rPr lang="de-DE" dirty="0" smtClean="0"/>
+              <a:t>Heutiges Wissen : 𝜅 = 0</a:t>
+            </a:r>
+            <a:endParaRPr lang="de-DE" dirty="0"/>
+          </a:p>
+        </p:txBody>
+      </p:sp>
+      <p:pic>
+        <p:nvPicPr>
+          <p:cNvPr id="4" name="Grafik 3"/>
+          <p:cNvPicPr>
+            <a:picLocks noChangeAspect="1"/>
+          </p:cNvPicPr>
+          <p:nvPr/>
+        </p:nvPicPr>
+        <p:blipFill rotWithShape="1">
+          <a:blip r:embed="rId3"/>
+          <a:srcRect l="20408" t="14284" r="42634" b="12296"/>
+          <a:stretch/>
+        </p:blipFill>
+        <p:spPr>
+          <a:xfrm>
+            <a:off x="6125226" y="764087"/>
+            <a:ext cx="5228574" cy="5842772"/>
+          </a:xfrm>
+          <a:prstGeom prst="rect">
+            <a:avLst/>
+          </a:prstGeom>
+        </p:spPr>
+      </p:pic>
     </p:spTree>
     <p:extLst>
       <p:ext uri="{BB962C8B-B14F-4D97-AF65-F5344CB8AC3E}">
@@ -5383,7 +5570,11 @@
           <a:p>
             <a:r>
               <a:rPr lang="de-DE" dirty="0" smtClean="0"/>
-              <a:t>Dunkle Energie</a:t>
+              <a:t>Lambda-Term: Dunkle </a:t>
+            </a:r>
+            <a:r>
+              <a:rPr lang="de-DE" dirty="0" smtClean="0"/>
+              <a:t>Energie</a:t>
             </a:r>
             <a:endParaRPr lang="de-DE" dirty="0"/>
           </a:p>
@@ -5406,17 +5597,38 @@
           <a:p>
             <a:r>
               <a:rPr lang="de-DE" dirty="0" smtClean="0"/>
-              <a:t>Universum expandiert zu „schnell</a:t>
-            </a:r>
+              <a:t>Lambda-Term eingeführt durch Albert Einstein</a:t>
+            </a:r>
+          </a:p>
+          <a:p>
+            <a:pPr lvl="1">
+              <a:buFont typeface="Wingdings" panose="05000000000000000000" pitchFamily="2" charset="2"/>
+              <a:buChar char="Ø"/>
+            </a:pPr>
             <a:r>
               <a:rPr lang="de-DE" dirty="0" smtClean="0"/>
-              <a:t>“</a:t>
-            </a:r>
-          </a:p>
-          <a:p>
+              <a:t>Als </a:t>
+            </a:r>
+            <a:r>
+              <a:rPr lang="de-DE" dirty="0" err="1" smtClean="0"/>
+              <a:t>grösste</a:t>
+            </a:r>
             <a:r>
               <a:rPr lang="de-DE" dirty="0" smtClean="0"/>
-              <a:t>Dichte bleibt konstant, auch wenn sich der Raum ausdehnt</a:t>
+              <a:t> Eselei bezeichnet</a:t>
+            </a:r>
+          </a:p>
+          <a:p>
+            <a:r>
+              <a:rPr lang="de-DE" dirty="0" smtClean="0"/>
+              <a:t>Notwendig für expandierendes Universum</a:t>
+            </a:r>
+            <a:endParaRPr lang="de-DE" dirty="0"/>
+          </a:p>
+          <a:p>
+            <a:r>
+              <a:rPr lang="de-DE" dirty="0" smtClean="0"/>
+              <a:t>Vakuumenergie</a:t>
             </a:r>
             <a:endParaRPr lang="de-DE" dirty="0"/>
           </a:p>
@@ -5905,15 +6117,13 @@
           <a:p>
             <a:r>
               <a:rPr lang="de-DE" dirty="0" smtClean="0"/>
-              <a:t>Voraussetzung: Galaxien bewegen sich kohärent relativ zueinander.</a:t>
-            </a:r>
-          </a:p>
-          <a:p>
+              <a:t>Voraussetzung: Galaxien bewegen sich kohärent relativ </a:t>
+            </a:r>
             <a:r>
               <a:rPr lang="de-DE" dirty="0" smtClean="0"/>
-              <a:t>Hier kommt die Animation hin</a:t>
-            </a:r>
-            <a:endParaRPr lang="de-DE" dirty="0"/>
+              <a:t>zueinander</a:t>
+            </a:r>
+            <a:endParaRPr lang="de-DE" dirty="0" smtClean="0"/>
           </a:p>
         </p:txBody>
       </p:sp>
@@ -5991,7 +6201,7 @@
                                   <p:childTnLst>
                                     <p:cmd type="call" cmd="playFrom(0.0)">
                                       <p:cBhvr>
-                                        <p:cTn id="6" dur="13499" fill="hold"/>
+                                        <p:cTn id="6" dur="13500" fill="hold"/>
                                         <p:tgtEl>
                                           <p:spTgt spid="5"/>
                                         </p:tgtEl>
@@ -6184,7 +6394,7 @@
                         <m:dPr>
                           <m:ctrlPr>
                             <a:rPr lang="de-CH" sz="9600" b="0" i="1" smtClean="0">
-                              <a:latin typeface="Cambria Math" charset="0"/>
+                              <a:latin typeface="Cambria Math" panose="02040503050406030204" pitchFamily="18" charset="0"/>
                             </a:rPr>
                           </m:ctrlPr>
                         </m:dPr>
@@ -6207,7 +6417,7 @@
                         <m:fPr>
                           <m:ctrlPr>
                             <a:rPr lang="bg-BG" sz="9600" b="0" i="1" smtClean="0">
-                              <a:latin typeface="Cambria Math" charset="0"/>
+                              <a:latin typeface="Cambria Math" panose="02040503050406030204" pitchFamily="18" charset="0"/>
                             </a:rPr>
                           </m:ctrlPr>
                         </m:fPr>
@@ -6217,7 +6427,7 @@
                               <m:chr m:val="̇"/>
                               <m:ctrlPr>
                                 <a:rPr lang="bg-BG" sz="9600" b="0" i="1" smtClean="0">
-                                  <a:latin typeface="Cambria Math" charset="0"/>
+                                  <a:latin typeface="Cambria Math" panose="02040503050406030204" pitchFamily="18" charset="0"/>
                                 </a:rPr>
                               </m:ctrlPr>
                             </m:accPr>
@@ -6580,7 +6790,7 @@
           <a:p>
             <a:r>
               <a:rPr lang="de-DE" dirty="0" smtClean="0"/>
-              <a:t>Energie</a:t>
+              <a:t>Energieerhaltung</a:t>
             </a:r>
             <a:endParaRPr lang="de-DE" dirty="0"/>
           </a:p>
@@ -6604,8 +6814,8 @@
         </p:blipFill>
         <p:spPr>
           <a:xfrm>
-            <a:off x="2000827" y="1541535"/>
-            <a:ext cx="7137400" cy="1816100"/>
+            <a:off x="848435" y="1954893"/>
+            <a:ext cx="5389529" cy="1371357"/>
           </a:xfrm>
           <a:prstGeom prst="rect">
             <a:avLst/>
@@ -6627,14 +6837,92 @@
         </p:blipFill>
         <p:spPr>
           <a:xfrm>
-            <a:off x="3613727" y="4399973"/>
-            <a:ext cx="3659909" cy="1549400"/>
+            <a:off x="1986824" y="4274713"/>
+            <a:ext cx="3112750" cy="1317764"/>
           </a:xfrm>
           <a:prstGeom prst="rect">
             <a:avLst/>
           </a:prstGeom>
         </p:spPr>
       </p:pic>
+      <p:pic>
+        <p:nvPicPr>
+          <p:cNvPr id="3" name="Grafik 2"/>
+          <p:cNvPicPr>
+            <a:picLocks noChangeAspect="1"/>
+          </p:cNvPicPr>
+          <p:nvPr/>
+        </p:nvPicPr>
+        <p:blipFill>
+          <a:blip r:embed="rId4">
+            <a:extLst>
+              <a:ext uri="{28A0092B-C50C-407E-A947-70E740481C1C}">
+                <a14:useLocalDpi xmlns:a14="http://schemas.microsoft.com/office/drawing/2010/main" val="0"/>
+              </a:ext>
+            </a:extLst>
+          </a:blip>
+          <a:stretch>
+            <a:fillRect/>
+          </a:stretch>
+        </p:blipFill>
+        <p:spPr>
+          <a:xfrm>
+            <a:off x="7187668" y="1690688"/>
+            <a:ext cx="3901117" cy="4010836"/>
+          </a:xfrm>
+          <a:prstGeom prst="rect">
+            <a:avLst/>
+          </a:prstGeom>
+        </p:spPr>
+      </p:pic>
+      <p:sp>
+        <p:nvSpPr>
+          <p:cNvPr id="5" name="Pfeil nach unten 4"/>
+          <p:cNvSpPr/>
+          <p:nvPr/>
+        </p:nvSpPr>
+        <p:spPr>
+          <a:xfrm>
+            <a:off x="3543199" y="3231715"/>
+            <a:ext cx="302291" cy="801666"/>
+          </a:xfrm>
+          <a:prstGeom prst="downArrow">
+            <a:avLst/>
+          </a:prstGeom>
+          <a:solidFill>
+            <a:schemeClr val="tx1"/>
+          </a:solidFill>
+          <a:ln>
+            <a:solidFill>
+              <a:schemeClr val="tx1"/>
+            </a:solidFill>
+          </a:ln>
+        </p:spPr>
+        <p:style>
+          <a:lnRef idx="2">
+            <a:schemeClr val="accent1">
+              <a:shade val="50000"/>
+            </a:schemeClr>
+          </a:lnRef>
+          <a:fillRef idx="1">
+            <a:schemeClr val="accent1"/>
+          </a:fillRef>
+          <a:effectRef idx="0">
+            <a:schemeClr val="accent1"/>
+          </a:effectRef>
+          <a:fontRef idx="minor">
+            <a:schemeClr val="lt1"/>
+          </a:fontRef>
+        </p:style>
+        <p:txBody>
+          <a:bodyPr rtlCol="0" anchor="ctr"/>
+          <a:lstStyle/>
+          <a:p>
+            <a:pPr algn="ctr"/>
+            <a:endParaRPr lang="de-CH"/>
+          </a:p>
+        </p:txBody>
+      </p:sp>
     </p:spTree>
     <p:extLst>
       <p:ext uri="{BB962C8B-B14F-4D97-AF65-F5344CB8AC3E}">
